--- a/redis面试.pptx
+++ b/redis面试.pptx
@@ -119,6 +119,11 @@
       </a:defRPr>
     </a:lvl9pPr>
   </p:defaultTextStyle>
+  <p:extLst>
+    <p:ext uri="{EFAFB233-063F-42B5-8137-9DF3F51BA10A}">
+      <p15:sldGuideLst xmlns:p15="http://schemas.microsoft.com/office/powerpoint/2012/main"/>
+    </p:ext>
+  </p:extLst>
 </p:presentation>
 </file>
 
@@ -253,7 +258,7 @@
           <a:p>
             <a:fld id="{9B3FCE1F-83A5-4E04-B47A-5CB1F75AED23}" type="datetimeFigureOut">
               <a:rPr lang="zh-CN" altLang="en-US" smtClean="0"/>
-              <a:t>2020-6-16</a:t>
+              <a:t>2020-6-18</a:t>
             </a:fld>
             <a:endParaRPr lang="zh-CN" altLang="en-US"/>
           </a:p>
@@ -423,7 +428,7 @@
           <a:p>
             <a:fld id="{9B3FCE1F-83A5-4E04-B47A-5CB1F75AED23}" type="datetimeFigureOut">
               <a:rPr lang="zh-CN" altLang="en-US" smtClean="0"/>
-              <a:t>2020-6-16</a:t>
+              <a:t>2020-6-18</a:t>
             </a:fld>
             <a:endParaRPr lang="zh-CN" altLang="en-US"/>
           </a:p>
@@ -603,7 +608,7 @@
           <a:p>
             <a:fld id="{9B3FCE1F-83A5-4E04-B47A-5CB1F75AED23}" type="datetimeFigureOut">
               <a:rPr lang="zh-CN" altLang="en-US" smtClean="0"/>
-              <a:t>2020-6-16</a:t>
+              <a:t>2020-6-18</a:t>
             </a:fld>
             <a:endParaRPr lang="zh-CN" altLang="en-US"/>
           </a:p>
@@ -773,7 +778,7 @@
           <a:p>
             <a:fld id="{9B3FCE1F-83A5-4E04-B47A-5CB1F75AED23}" type="datetimeFigureOut">
               <a:rPr lang="zh-CN" altLang="en-US" smtClean="0"/>
-              <a:t>2020-6-16</a:t>
+              <a:t>2020-6-18</a:t>
             </a:fld>
             <a:endParaRPr lang="zh-CN" altLang="en-US"/>
           </a:p>
@@ -1019,7 +1024,7 @@
           <a:p>
             <a:fld id="{9B3FCE1F-83A5-4E04-B47A-5CB1F75AED23}" type="datetimeFigureOut">
               <a:rPr lang="zh-CN" altLang="en-US" smtClean="0"/>
-              <a:t>2020-6-16</a:t>
+              <a:t>2020-6-18</a:t>
             </a:fld>
             <a:endParaRPr lang="zh-CN" altLang="en-US"/>
           </a:p>
@@ -1251,7 +1256,7 @@
           <a:p>
             <a:fld id="{9B3FCE1F-83A5-4E04-B47A-5CB1F75AED23}" type="datetimeFigureOut">
               <a:rPr lang="zh-CN" altLang="en-US" smtClean="0"/>
-              <a:t>2020-6-16</a:t>
+              <a:t>2020-6-18</a:t>
             </a:fld>
             <a:endParaRPr lang="zh-CN" altLang="en-US"/>
           </a:p>
@@ -1618,7 +1623,7 @@
           <a:p>
             <a:fld id="{9B3FCE1F-83A5-4E04-B47A-5CB1F75AED23}" type="datetimeFigureOut">
               <a:rPr lang="zh-CN" altLang="en-US" smtClean="0"/>
-              <a:t>2020-6-16</a:t>
+              <a:t>2020-6-18</a:t>
             </a:fld>
             <a:endParaRPr lang="zh-CN" altLang="en-US"/>
           </a:p>
@@ -1736,7 +1741,7 @@
           <a:p>
             <a:fld id="{9B3FCE1F-83A5-4E04-B47A-5CB1F75AED23}" type="datetimeFigureOut">
               <a:rPr lang="zh-CN" altLang="en-US" smtClean="0"/>
-              <a:t>2020-6-16</a:t>
+              <a:t>2020-6-18</a:t>
             </a:fld>
             <a:endParaRPr lang="zh-CN" altLang="en-US"/>
           </a:p>
@@ -1831,7 +1836,7 @@
           <a:p>
             <a:fld id="{9B3FCE1F-83A5-4E04-B47A-5CB1F75AED23}" type="datetimeFigureOut">
               <a:rPr lang="zh-CN" altLang="en-US" smtClean="0"/>
-              <a:t>2020-6-16</a:t>
+              <a:t>2020-6-18</a:t>
             </a:fld>
             <a:endParaRPr lang="zh-CN" altLang="en-US"/>
           </a:p>
@@ -2108,7 +2113,7 @@
           <a:p>
             <a:fld id="{9B3FCE1F-83A5-4E04-B47A-5CB1F75AED23}" type="datetimeFigureOut">
               <a:rPr lang="zh-CN" altLang="en-US" smtClean="0"/>
-              <a:t>2020-6-16</a:t>
+              <a:t>2020-6-18</a:t>
             </a:fld>
             <a:endParaRPr lang="zh-CN" altLang="en-US"/>
           </a:p>
@@ -2361,7 +2366,7 @@
           <a:p>
             <a:fld id="{9B3FCE1F-83A5-4E04-B47A-5CB1F75AED23}" type="datetimeFigureOut">
               <a:rPr lang="zh-CN" altLang="en-US" smtClean="0"/>
-              <a:t>2020-6-16</a:t>
+              <a:t>2020-6-18</a:t>
             </a:fld>
             <a:endParaRPr lang="zh-CN" altLang="en-US"/>
           </a:p>
@@ -2574,7 +2579,7 @@
           <a:p>
             <a:fld id="{9B3FCE1F-83A5-4E04-B47A-5CB1F75AED23}" type="datetimeFigureOut">
               <a:rPr lang="zh-CN" altLang="en-US" smtClean="0"/>
-              <a:t>2020-6-16</a:t>
+              <a:t>2020-6-18</a:t>
             </a:fld>
             <a:endParaRPr lang="zh-CN" altLang="en-US"/>
           </a:p>
@@ -3469,7 +3474,31 @@
             </a:pPr>
             <a:r>
               <a:rPr lang="zh-CN" altLang="en-US" dirty="0" smtClean="0"/>
-              <a:t>一般主从模式，都避免在主节点下挂载太多从节点，而尽量采用线性的方式，来减轻主节点的压力。见图。</a:t>
+              <a:t>主从</a:t>
+            </a:r>
+            <a:r>
+              <a:rPr lang="zh-CN" altLang="en-US" dirty="0" smtClean="0"/>
+              <a:t>模式</a:t>
+            </a:r>
+            <a:r>
+              <a:rPr lang="zh-CN" altLang="en-US" dirty="0" smtClean="0"/>
+              <a:t>，避免</a:t>
+            </a:r>
+            <a:r>
+              <a:rPr lang="zh-CN" altLang="en-US" dirty="0" smtClean="0"/>
+              <a:t>在主节点下挂载太多从</a:t>
+            </a:r>
+            <a:r>
+              <a:rPr lang="zh-CN" altLang="en-US" smtClean="0"/>
+              <a:t>节点</a:t>
+            </a:r>
+            <a:r>
+              <a:rPr lang="zh-CN" altLang="en-US" smtClean="0"/>
+              <a:t>，要尽量</a:t>
+            </a:r>
+            <a:r>
+              <a:rPr lang="zh-CN" altLang="en-US" dirty="0" smtClean="0"/>
+              <a:t>采用线性的方式，来减轻主节点的压力。见图。</a:t>
             </a:r>
             <a:endParaRPr lang="zh-CN" altLang="en-US" dirty="0"/>
           </a:p>
@@ -4575,15 +4604,7 @@
             </a:r>
             <a:r>
               <a:rPr lang="zh-CN" altLang="en-US" dirty="0" smtClean="0"/>
-              <a:t>在所有键中</a:t>
-            </a:r>
-            <a:r>
-              <a:rPr lang="zh-CN" altLang="en-US" dirty="0" smtClean="0"/>
-              <a:t>优先</a:t>
-            </a:r>
-            <a:r>
-              <a:rPr lang="zh-CN" altLang="en-US" dirty="0" smtClean="0"/>
-              <a:t>淘汰最少使用的。</a:t>
+              <a:t>在所有键中优先淘汰最少使用的。</a:t>
             </a:r>
             <a:endParaRPr lang="en-US" altLang="zh-CN" dirty="0" smtClean="0"/>
           </a:p>
@@ -5214,11 +5235,7 @@
             </a:pPr>
             <a:r>
               <a:rPr lang="en-US" altLang="zh-CN" dirty="0" smtClean="0"/>
-              <a:t>always</a:t>
-            </a:r>
-            <a:r>
-              <a:rPr lang="en-US" altLang="zh-CN" dirty="0" smtClean="0"/>
-              <a:t>:</a:t>
+              <a:t>always:</a:t>
             </a:r>
             <a:r>
               <a:rPr lang="zh-CN" altLang="en-US" dirty="0" smtClean="0"/>
